--- a/BDIIA06.pptx
+++ b/BDIIA06.pptx
@@ -315,7 +315,7 @@
             <a:fld id="{B61BEF0D-F0BB-DE4B-95CE-6DB70DBA9567}" type="datetimeFigureOut">
               <a:rPr lang="en-US" dirty="0"/>
               <a:pPr/>
-              <a:t>6/30/2020</a:t>
+              <a:t>5/10/2023</a:t>
             </a:fld>
             <a:endParaRPr lang="en-US" dirty="0"/>
           </a:p>
@@ -748,7 +748,7 @@
             <a:fld id="{B61BEF0D-F0BB-DE4B-95CE-6DB70DBA9567}" type="datetimeFigureOut">
               <a:rPr lang="en-US" dirty="0"/>
               <a:pPr/>
-              <a:t>6/30/2020</a:t>
+              <a:t>5/10/2023</a:t>
             </a:fld>
             <a:endParaRPr lang="en-US" dirty="0"/>
           </a:p>
@@ -995,7 +995,7 @@
             <a:fld id="{B61BEF0D-F0BB-DE4B-95CE-6DB70DBA9567}" type="datetimeFigureOut">
               <a:rPr lang="en-US" dirty="0"/>
               <a:pPr/>
-              <a:t>6/30/2020</a:t>
+              <a:t>5/10/2023</a:t>
             </a:fld>
             <a:endParaRPr lang="en-US" dirty="0"/>
           </a:p>
@@ -1300,7 +1300,7 @@
             <a:fld id="{B61BEF0D-F0BB-DE4B-95CE-6DB70DBA9567}" type="datetimeFigureOut">
               <a:rPr lang="en-US" dirty="0"/>
               <a:pPr/>
-              <a:t>6/30/2020</a:t>
+              <a:t>5/10/2023</a:t>
             </a:fld>
             <a:endParaRPr lang="en-US" dirty="0"/>
           </a:p>
@@ -1615,7 +1615,7 @@
             <a:fld id="{B61BEF0D-F0BB-DE4B-95CE-6DB70DBA9567}" type="datetimeFigureOut">
               <a:rPr lang="en-US" dirty="0"/>
               <a:pPr/>
-              <a:t>6/30/2020</a:t>
+              <a:t>5/10/2023</a:t>
             </a:fld>
             <a:endParaRPr lang="en-US" dirty="0"/>
           </a:p>
@@ -1914,7 +1914,7 @@
             <a:fld id="{B61BEF0D-F0BB-DE4B-95CE-6DB70DBA9567}" type="datetimeFigureOut">
               <a:rPr lang="en-US" dirty="0"/>
               <a:pPr/>
-              <a:t>6/30/2020</a:t>
+              <a:t>5/10/2023</a:t>
             </a:fld>
             <a:endParaRPr lang="en-US" dirty="0"/>
           </a:p>
@@ -2278,7 +2278,7 @@
             <a:fld id="{B61BEF0D-F0BB-DE4B-95CE-6DB70DBA9567}" type="datetimeFigureOut">
               <a:rPr lang="en-US" dirty="0"/>
               <a:pPr/>
-              <a:t>6/30/2020</a:t>
+              <a:t>5/10/2023</a:t>
             </a:fld>
             <a:endParaRPr lang="en-US" dirty="0"/>
           </a:p>
@@ -2449,7 +2449,7 @@
             <a:fld id="{B61BEF0D-F0BB-DE4B-95CE-6DB70DBA9567}" type="datetimeFigureOut">
               <a:rPr lang="en-US" dirty="0"/>
               <a:pPr/>
-              <a:t>6/30/2020</a:t>
+              <a:t>5/10/2023</a:t>
             </a:fld>
             <a:endParaRPr lang="en-US" dirty="0"/>
           </a:p>
@@ -2626,7 +2626,7 @@
             <a:fld id="{B61BEF0D-F0BB-DE4B-95CE-6DB70DBA9567}" type="datetimeFigureOut">
               <a:rPr lang="en-US" dirty="0"/>
               <a:pPr/>
-              <a:t>6/30/2020</a:t>
+              <a:t>5/10/2023</a:t>
             </a:fld>
             <a:endParaRPr lang="en-US" dirty="0"/>
           </a:p>
@@ -2793,7 +2793,7 @@
             <a:fld id="{B61BEF0D-F0BB-DE4B-95CE-6DB70DBA9567}" type="datetimeFigureOut">
               <a:rPr lang="en-US" dirty="0"/>
               <a:pPr/>
-              <a:t>6/30/2020</a:t>
+              <a:t>5/10/2023</a:t>
             </a:fld>
             <a:endParaRPr lang="en-US" dirty="0"/>
           </a:p>
@@ -3040,7 +3040,7 @@
             <a:fld id="{B61BEF0D-F0BB-DE4B-95CE-6DB70DBA9567}" type="datetimeFigureOut">
               <a:rPr lang="en-US" dirty="0"/>
               <a:pPr/>
-              <a:t>6/30/2020</a:t>
+              <a:t>5/10/2023</a:t>
             </a:fld>
             <a:endParaRPr lang="en-US" dirty="0"/>
           </a:p>
@@ -3273,7 +3273,7 @@
             <a:fld id="{B61BEF0D-F0BB-DE4B-95CE-6DB70DBA9567}" type="datetimeFigureOut">
               <a:rPr lang="en-US" dirty="0"/>
               <a:pPr/>
-              <a:t>6/30/2020</a:t>
+              <a:t>5/10/2023</a:t>
             </a:fld>
             <a:endParaRPr lang="en-US" dirty="0"/>
           </a:p>
@@ -3652,7 +3652,7 @@
             <a:fld id="{B61BEF0D-F0BB-DE4B-95CE-6DB70DBA9567}" type="datetimeFigureOut">
               <a:rPr lang="en-US" dirty="0"/>
               <a:pPr/>
-              <a:t>6/30/2020</a:t>
+              <a:t>5/10/2023</a:t>
             </a:fld>
             <a:endParaRPr lang="en-US" dirty="0"/>
           </a:p>
@@ -3767,7 +3767,7 @@
             <a:fld id="{B61BEF0D-F0BB-DE4B-95CE-6DB70DBA9567}" type="datetimeFigureOut">
               <a:rPr lang="en-US" dirty="0"/>
               <a:pPr/>
-              <a:t>6/30/2020</a:t>
+              <a:t>5/10/2023</a:t>
             </a:fld>
             <a:endParaRPr lang="en-US" dirty="0"/>
           </a:p>
@@ -3859,7 +3859,7 @@
             <a:fld id="{B61BEF0D-F0BB-DE4B-95CE-6DB70DBA9567}" type="datetimeFigureOut">
               <a:rPr lang="en-US" dirty="0"/>
               <a:pPr/>
-              <a:t>6/30/2020</a:t>
+              <a:t>5/10/2023</a:t>
             </a:fld>
             <a:endParaRPr lang="en-US" dirty="0"/>
           </a:p>
@@ -4111,7 +4111,7 @@
             <a:fld id="{B61BEF0D-F0BB-DE4B-95CE-6DB70DBA9567}" type="datetimeFigureOut">
               <a:rPr lang="en-US" dirty="0"/>
               <a:pPr/>
-              <a:t>6/30/2020</a:t>
+              <a:t>5/10/2023</a:t>
             </a:fld>
             <a:endParaRPr lang="en-US" dirty="0"/>
           </a:p>
@@ -4391,7 +4391,7 @@
             <a:fld id="{B61BEF0D-F0BB-DE4B-95CE-6DB70DBA9567}" type="datetimeFigureOut">
               <a:rPr lang="en-US" dirty="0"/>
               <a:pPr/>
-              <a:t>6/30/2020</a:t>
+              <a:t>5/10/2023</a:t>
             </a:fld>
             <a:endParaRPr lang="en-US" dirty="0"/>
           </a:p>
@@ -4794,7 +4794,7 @@
             <a:fld id="{B61BEF0D-F0BB-DE4B-95CE-6DB70DBA9567}" type="datetimeFigureOut">
               <a:rPr lang="en-US" dirty="0"/>
               <a:pPr/>
-              <a:t>6/30/2020</a:t>
+              <a:t>5/10/2023</a:t>
             </a:fld>
             <a:endParaRPr lang="en-US" dirty="0"/>
           </a:p>
@@ -7047,10 +7047,10 @@
       </p:sp>
       <p:pic>
         <p:nvPicPr>
-          <p:cNvPr id="3" name="Imagem 2">
+          <p:cNvPr id="2" name="Imagem 1">
             <a:extLst>
               <a:ext uri="{FF2B5EF4-FFF2-40B4-BE49-F238E27FC236}">
-                <a16:creationId xmlns:a16="http://schemas.microsoft.com/office/drawing/2014/main" id="{CAC286EF-400A-43DE-82E5-2D9ABDAC52A9}"/>
+                <a16:creationId xmlns:a16="http://schemas.microsoft.com/office/drawing/2014/main" id="{1BED05EF-E44F-4C2C-AD98-28F1390E3671}"/>
               </a:ext>
             </a:extLst>
           </p:cNvPr>
@@ -7067,8 +7067,8 @@
         </p:blipFill>
         <p:spPr>
           <a:xfrm>
-            <a:off x="2626769" y="1878486"/>
-            <a:ext cx="6938461" cy="4846285"/>
+            <a:off x="1514701" y="1878486"/>
+            <a:ext cx="9097576" cy="4670688"/>
           </a:xfrm>
           <a:prstGeom prst="rect">
             <a:avLst/>
